--- a/ゲーム説明.pptx
+++ b/ゲーム説明.pptx
@@ -6,9 +6,12 @@
   </p:sldMasterIdLst>
   <p:sldIdLst>
     <p:sldId id="256" r:id="rId2"/>
-    <p:sldId id="257" r:id="rId3"/>
-    <p:sldId id="258" r:id="rId4"/>
-    <p:sldId id="259" r:id="rId5"/>
+    <p:sldId id="260" r:id="rId3"/>
+    <p:sldId id="261" r:id="rId4"/>
+    <p:sldId id="262" r:id="rId5"/>
+    <p:sldId id="257" r:id="rId6"/>
+    <p:sldId id="258" r:id="rId7"/>
+    <p:sldId id="259" r:id="rId8"/>
   </p:sldIdLst>
   <p:sldSz cx="12192000" cy="6858000"/>
   <p:notesSz cx="6858000" cy="9144000"/>
@@ -107,6 +110,11 @@
       </a:defRPr>
     </a:lvl9pPr>
   </p:defaultTextStyle>
+  <p:extLst>
+    <p:ext uri="{EFAFB233-063F-42B5-8137-9DF3F51BA10A}">
+      <p15:sldGuideLst xmlns:p15="http://schemas.microsoft.com/office/powerpoint/2012/main"/>
+    </p:ext>
+  </p:extLst>
 </p:presentation>
 </file>
 
@@ -306,7 +314,7 @@
           <a:p>
             <a:fld id="{96DFF08F-DC6B-4601-B491-B0F83F6DD2DA}" type="datetimeFigureOut">
               <a:rPr lang="en-US" dirty="0"/>
-              <a:t>10/11/2019</a:t>
+              <a:t>10/15/2019</a:t>
             </a:fld>
             <a:endParaRPr lang="en-US" dirty="0"/>
           </a:p>
@@ -554,7 +562,7 @@
           <a:p>
             <a:fld id="{96DFF08F-DC6B-4601-B491-B0F83F6DD2DA}" type="datetimeFigureOut">
               <a:rPr lang="en-US" dirty="0"/>
-              <a:t>10/11/2019</a:t>
+              <a:t>10/15/2019</a:t>
             </a:fld>
             <a:endParaRPr lang="en-US" dirty="0"/>
           </a:p>
@@ -761,7 +769,7 @@
           <a:p>
             <a:fld id="{96DFF08F-DC6B-4601-B491-B0F83F6DD2DA}" type="datetimeFigureOut">
               <a:rPr lang="en-US" dirty="0"/>
-              <a:t>10/11/2019</a:t>
+              <a:t>10/15/2019</a:t>
             </a:fld>
             <a:endParaRPr lang="en-US" dirty="0"/>
           </a:p>
@@ -958,7 +966,7 @@
           <a:p>
             <a:fld id="{96DFF08F-DC6B-4601-B491-B0F83F6DD2DA}" type="datetimeFigureOut">
               <a:rPr lang="en-US" dirty="0"/>
-              <a:t>10/11/2019</a:t>
+              <a:t>10/15/2019</a:t>
             </a:fld>
             <a:endParaRPr lang="en-US" dirty="0"/>
           </a:p>
@@ -1204,7 +1212,7 @@
           <a:p>
             <a:fld id="{96DFF08F-DC6B-4601-B491-B0F83F6DD2DA}" type="datetimeFigureOut">
               <a:rPr lang="en-US" dirty="0"/>
-              <a:t>10/11/2019</a:t>
+              <a:t>10/15/2019</a:t>
             </a:fld>
             <a:endParaRPr lang="en-US" dirty="0"/>
           </a:p>
@@ -1586,7 +1594,7 @@
           <a:p>
             <a:fld id="{96DFF08F-DC6B-4601-B491-B0F83F6DD2DA}" type="datetimeFigureOut">
               <a:rPr lang="en-US" dirty="0"/>
-              <a:t>10/11/2019</a:t>
+              <a:t>10/15/2019</a:t>
             </a:fld>
             <a:endParaRPr lang="en-US" dirty="0"/>
           </a:p>
@@ -2069,7 +2077,7 @@
           <a:p>
             <a:fld id="{96DFF08F-DC6B-4601-B491-B0F83F6DD2DA}" type="datetimeFigureOut">
               <a:rPr lang="en-US" dirty="0"/>
-              <a:t>10/11/2019</a:t>
+              <a:t>10/15/2019</a:t>
             </a:fld>
             <a:endParaRPr lang="en-US" dirty="0"/>
           </a:p>
@@ -2182,7 +2190,7 @@
           <a:p>
             <a:fld id="{96DFF08F-DC6B-4601-B491-B0F83F6DD2DA}" type="datetimeFigureOut">
               <a:rPr lang="en-US" dirty="0"/>
-              <a:t>10/11/2019</a:t>
+              <a:t>10/15/2019</a:t>
             </a:fld>
             <a:endParaRPr lang="en-US" dirty="0"/>
           </a:p>
@@ -2272,7 +2280,7 @@
           <a:p>
             <a:fld id="{96DFF08F-DC6B-4601-B491-B0F83F6DD2DA}" type="datetimeFigureOut">
               <a:rPr lang="en-US" dirty="0"/>
-              <a:t>10/11/2019</a:t>
+              <a:t>10/15/2019</a:t>
             </a:fld>
             <a:endParaRPr lang="en-US" dirty="0"/>
           </a:p>
@@ -2589,7 +2597,7 @@
           <a:p>
             <a:fld id="{96DFF08F-DC6B-4601-B491-B0F83F6DD2DA}" type="datetimeFigureOut">
               <a:rPr lang="en-US" dirty="0"/>
-              <a:t>10/11/2019</a:t>
+              <a:t>10/15/2019</a:t>
             </a:fld>
             <a:endParaRPr lang="en-US" dirty="0"/>
           </a:p>
@@ -2856,7 +2864,7 @@
           <a:p>
             <a:fld id="{96DFF08F-DC6B-4601-B491-B0F83F6DD2DA}" type="datetimeFigureOut">
               <a:rPr lang="en-US" dirty="0"/>
-              <a:t>10/11/2019</a:t>
+              <a:t>10/15/2019</a:t>
             </a:fld>
             <a:endParaRPr lang="en-US" dirty="0"/>
           </a:p>
@@ -3138,7 +3146,7 @@
             <a:fld id="{96DFF08F-DC6B-4601-B491-B0F83F6DD2DA}" type="datetimeFigureOut">
               <a:rPr lang="en-US" dirty="0"/>
               <a:pPr/>
-              <a:t>10/11/2019</a:t>
+              <a:t>10/15/2019</a:t>
             </a:fld>
             <a:endParaRPr lang="en-US" dirty="0"/>
           </a:p>
@@ -3643,6 +3651,36 @@
           </a:p>
         </p:txBody>
       </p:sp>
+      <p:pic>
+        <p:nvPicPr>
+          <p:cNvPr id="5" name="図 4"/>
+          <p:cNvPicPr>
+            <a:picLocks noChangeAspect="1"/>
+          </p:cNvPicPr>
+          <p:nvPr/>
+        </p:nvPicPr>
+        <p:blipFill>
+          <a:blip r:embed="rId2">
+            <a:extLst>
+              <a:ext uri="{28A0092B-C50C-407E-A947-70E740481C1C}">
+                <a14:useLocalDpi xmlns:a14="http://schemas.microsoft.com/office/drawing/2010/main" val="0"/>
+              </a:ext>
+            </a:extLst>
+          </a:blip>
+          <a:stretch>
+            <a:fillRect/>
+          </a:stretch>
+        </p:blipFill>
+        <p:spPr>
+          <a:xfrm>
+            <a:off x="182185" y="205740"/>
+            <a:ext cx="11832016" cy="6652260"/>
+          </a:xfrm>
+          <a:prstGeom prst="rect">
+            <a:avLst/>
+          </a:prstGeom>
+        </p:spPr>
+      </p:pic>
     </p:spTree>
     <p:extLst>
       <p:ext uri="{BB962C8B-B14F-4D97-AF65-F5344CB8AC3E}">
@@ -3664,6 +3702,529 @@
 </file>
 
 <file path=ppt/slides/slide2.xml><?xml version="1.0" encoding="utf-8"?>
+<p:sld xmlns:a="http://schemas.openxmlformats.org/drawingml/2006/main" xmlns:r="http://schemas.openxmlformats.org/officeDocument/2006/relationships" xmlns:p="http://schemas.openxmlformats.org/presentationml/2006/main">
+  <p:cSld>
+    <p:spTree>
+      <p:nvGrpSpPr>
+        <p:cNvPr id="1" name=""/>
+        <p:cNvGrpSpPr/>
+        <p:nvPr/>
+      </p:nvGrpSpPr>
+      <p:grpSpPr>
+        <a:xfrm>
+          <a:off x="0" y="0"/>
+          <a:ext cx="0" cy="0"/>
+          <a:chOff x="0" y="0"/>
+          <a:chExt cx="0" cy="0"/>
+        </a:xfrm>
+      </p:grpSpPr>
+      <p:sp>
+        <p:nvSpPr>
+          <p:cNvPr id="2" name="タイトル 1"/>
+          <p:cNvSpPr>
+            <a:spLocks noGrp="1"/>
+          </p:cNvSpPr>
+          <p:nvPr>
+            <p:ph type="title"/>
+          </p:nvPr>
+        </p:nvSpPr>
+        <p:spPr/>
+        <p:txBody>
+          <a:bodyPr/>
+          <a:lstStyle/>
+          <a:p>
+            <a:r>
+              <a:rPr lang="ja-JP" altLang="en-US" dirty="0" smtClean="0"/>
+              <a:t>開発</a:t>
+            </a:r>
+            <a:r>
+              <a:rPr lang="ja-JP" altLang="en-US" dirty="0"/>
+              <a:t>環境</a:t>
+            </a:r>
+            <a:endParaRPr kumimoji="1" lang="ja-JP" altLang="en-US" dirty="0"/>
+          </a:p>
+        </p:txBody>
+      </p:sp>
+      <p:sp>
+        <p:nvSpPr>
+          <p:cNvPr id="3" name="コンテンツ プレースホルダー 2"/>
+          <p:cNvSpPr>
+            <a:spLocks noGrp="1"/>
+          </p:cNvSpPr>
+          <p:nvPr>
+            <p:ph idx="1"/>
+          </p:nvPr>
+        </p:nvSpPr>
+        <p:spPr/>
+        <p:txBody>
+          <a:bodyPr>
+            <a:normAutofit lnSpcReduction="10000"/>
+          </a:bodyPr>
+          <a:lstStyle/>
+          <a:p>
+            <a:pPr marL="45720" indent="0">
+              <a:buNone/>
+            </a:pPr>
+            <a:r>
+              <a:rPr kumimoji="1" lang="ja-JP" altLang="en-US" sz="3200" dirty="0" smtClean="0"/>
+              <a:t>動作環境　</a:t>
+            </a:r>
+            <a:r>
+              <a:rPr kumimoji="1" lang="en-US" altLang="ja-JP" sz="3200" dirty="0" smtClean="0"/>
+              <a:t>:</a:t>
+            </a:r>
+            <a:r>
+              <a:rPr kumimoji="1" lang="ja-JP" altLang="en-US" sz="3200" dirty="0" smtClean="0"/>
+              <a:t>　</a:t>
+            </a:r>
+            <a:r>
+              <a:rPr lang="en-US" altLang="ja-JP" sz="3200" dirty="0" smtClean="0"/>
+              <a:t>PC ( windows10 )</a:t>
+            </a:r>
+            <a:endParaRPr kumimoji="1" lang="en-US" altLang="ja-JP" sz="3200" dirty="0" smtClean="0"/>
+          </a:p>
+          <a:p>
+            <a:pPr marL="45720" indent="0">
+              <a:buNone/>
+            </a:pPr>
+            <a:r>
+              <a:rPr kumimoji="1" lang="ja-JP" altLang="en-US" sz="3200" dirty="0" smtClean="0"/>
+              <a:t>開発エンジン　</a:t>
+            </a:r>
+            <a:r>
+              <a:rPr kumimoji="1" lang="en-US" altLang="ja-JP" sz="3200" dirty="0" smtClean="0"/>
+              <a:t>:</a:t>
+            </a:r>
+            <a:r>
+              <a:rPr kumimoji="1" lang="ja-JP" altLang="en-US" sz="3200" dirty="0" smtClean="0"/>
+              <a:t>　</a:t>
+            </a:r>
+            <a:r>
+              <a:rPr kumimoji="1" lang="en-US" altLang="ja-JP" sz="3200" dirty="0" smtClean="0"/>
+              <a:t>Unity (ver.2019.1.14f)</a:t>
+            </a:r>
+          </a:p>
+          <a:p>
+            <a:pPr marL="45720" indent="0">
+              <a:buNone/>
+            </a:pPr>
+            <a:endParaRPr kumimoji="1" lang="en-US" altLang="ja-JP" sz="3200" dirty="0" smtClean="0"/>
+          </a:p>
+          <a:p>
+            <a:pPr marL="45720" indent="0">
+              <a:buNone/>
+            </a:pPr>
+            <a:r>
+              <a:rPr lang="ja-JP" altLang="en-US" sz="3200" dirty="0"/>
+              <a:t>制作</a:t>
+            </a:r>
+            <a:r>
+              <a:rPr lang="ja-JP" altLang="en-US" sz="3200" dirty="0" smtClean="0"/>
+              <a:t>日時　 ２０１９年１０月７日 </a:t>
+            </a:r>
+            <a:r>
+              <a:rPr lang="en-US" altLang="ja-JP" sz="3200" dirty="0" smtClean="0"/>
+              <a:t>~ </a:t>
+            </a:r>
+            <a:r>
+              <a:rPr lang="ja-JP" altLang="en-US" sz="3200" dirty="0" smtClean="0"/>
+              <a:t>１０月１２日</a:t>
+            </a:r>
+            <a:endParaRPr kumimoji="1" lang="en-US" altLang="ja-JP" sz="3200" dirty="0" smtClean="0"/>
+          </a:p>
+          <a:p>
+            <a:pPr marL="45720" indent="0">
+              <a:buNone/>
+            </a:pPr>
+            <a:r>
+              <a:rPr lang="ja-JP" altLang="en-US" sz="3200" dirty="0"/>
+              <a:t>制作</a:t>
+            </a:r>
+            <a:r>
+              <a:rPr lang="ja-JP" altLang="en-US" sz="3200" dirty="0" smtClean="0"/>
+              <a:t>期間</a:t>
+            </a:r>
+            <a:r>
+              <a:rPr lang="ja-JP" altLang="en-US" sz="3200" dirty="0" smtClean="0"/>
+              <a:t>　５日間</a:t>
+            </a:r>
+            <a:endParaRPr lang="en-US" altLang="ja-JP" sz="3200" dirty="0" smtClean="0"/>
+          </a:p>
+          <a:p>
+            <a:pPr marL="45720" indent="0">
+              <a:buNone/>
+            </a:pPr>
+            <a:r>
+              <a:rPr kumimoji="1" lang="ja-JP" altLang="en-US" sz="3200" dirty="0" smtClean="0"/>
+              <a:t>開発人数　</a:t>
+            </a:r>
+            <a:r>
+              <a:rPr kumimoji="1" lang="ja-JP" altLang="en-US" sz="3200" dirty="0" smtClean="0"/>
+              <a:t>３人</a:t>
+            </a:r>
+            <a:r>
+              <a:rPr kumimoji="1" lang="en-US" altLang="ja-JP" sz="3200" dirty="0" smtClean="0"/>
+              <a:t>(</a:t>
+            </a:r>
+            <a:r>
+              <a:rPr kumimoji="1" lang="ja-JP" altLang="en-US" sz="3200" dirty="0" smtClean="0"/>
+              <a:t>全員プログラマー</a:t>
+            </a:r>
+            <a:r>
+              <a:rPr kumimoji="1" lang="en-US" altLang="ja-JP" sz="3200" dirty="0" smtClean="0"/>
+              <a:t>)</a:t>
+            </a:r>
+            <a:endParaRPr kumimoji="1" lang="en-US" altLang="ja-JP" sz="3200" dirty="0" smtClean="0"/>
+          </a:p>
+          <a:p>
+            <a:pPr marL="45720" indent="0">
+              <a:buNone/>
+            </a:pPr>
+            <a:r>
+              <a:rPr kumimoji="1" lang="ja-JP" altLang="en-US" sz="3200" dirty="0" smtClean="0"/>
+              <a:t>備考　学内の非公認</a:t>
+            </a:r>
+            <a:r>
+              <a:rPr kumimoji="1" lang="en-US" altLang="ja-JP" sz="3200" dirty="0" err="1" smtClean="0"/>
+              <a:t>GameJam</a:t>
+            </a:r>
+            <a:r>
+              <a:rPr kumimoji="1" lang="ja-JP" altLang="en-US" sz="3200" dirty="0" smtClean="0"/>
+              <a:t>で作成した作品</a:t>
+            </a:r>
+            <a:endParaRPr kumimoji="1" lang="en-US" altLang="ja-JP" sz="3200" dirty="0" smtClean="0"/>
+          </a:p>
+        </p:txBody>
+      </p:sp>
+    </p:spTree>
+    <p:extLst>
+      <p:ext uri="{BB962C8B-B14F-4D97-AF65-F5344CB8AC3E}">
+        <p14:creationId xmlns:p14="http://schemas.microsoft.com/office/powerpoint/2010/main" val="693889896"/>
+      </p:ext>
+    </p:extLst>
+  </p:cSld>
+  <p:clrMapOvr>
+    <a:masterClrMapping/>
+  </p:clrMapOvr>
+</p:sld>
+</file>
+
+<file path=ppt/slides/slide3.xml><?xml version="1.0" encoding="utf-8"?>
+<p:sld xmlns:a="http://schemas.openxmlformats.org/drawingml/2006/main" xmlns:r="http://schemas.openxmlformats.org/officeDocument/2006/relationships" xmlns:p="http://schemas.openxmlformats.org/presentationml/2006/main">
+  <p:cSld>
+    <p:spTree>
+      <p:nvGrpSpPr>
+        <p:cNvPr id="1" name=""/>
+        <p:cNvGrpSpPr/>
+        <p:nvPr/>
+      </p:nvGrpSpPr>
+      <p:grpSpPr>
+        <a:xfrm>
+          <a:off x="0" y="0"/>
+          <a:ext cx="0" cy="0"/>
+          <a:chOff x="0" y="0"/>
+          <a:chExt cx="0" cy="0"/>
+        </a:xfrm>
+      </p:grpSpPr>
+      <p:sp>
+        <p:nvSpPr>
+          <p:cNvPr id="2" name="タイトル 1"/>
+          <p:cNvSpPr>
+            <a:spLocks noGrp="1"/>
+          </p:cNvSpPr>
+          <p:nvPr>
+            <p:ph type="title"/>
+          </p:nvPr>
+        </p:nvSpPr>
+        <p:spPr/>
+        <p:txBody>
+          <a:bodyPr/>
+          <a:lstStyle/>
+          <a:p>
+            <a:r>
+              <a:rPr kumimoji="1" lang="ja-JP" altLang="en-US" dirty="0" smtClean="0"/>
+              <a:t>担当箇所</a:t>
+            </a:r>
+            <a:endParaRPr kumimoji="1" lang="ja-JP" altLang="en-US" dirty="0"/>
+          </a:p>
+        </p:txBody>
+      </p:sp>
+      <p:sp>
+        <p:nvSpPr>
+          <p:cNvPr id="3" name="コンテンツ プレースホルダー 2"/>
+          <p:cNvSpPr>
+            <a:spLocks noGrp="1"/>
+          </p:cNvSpPr>
+          <p:nvPr>
+            <p:ph idx="1"/>
+          </p:nvPr>
+        </p:nvSpPr>
+        <p:spPr/>
+        <p:txBody>
+          <a:bodyPr>
+            <a:normAutofit/>
+          </a:bodyPr>
+          <a:lstStyle/>
+          <a:p>
+            <a:r>
+              <a:rPr kumimoji="1" lang="ja-JP" altLang="en-US" dirty="0" smtClean="0"/>
+              <a:t>ステージのオブジェクト配置</a:t>
+            </a:r>
+            <a:endParaRPr kumimoji="1" lang="en-US" altLang="ja-JP" dirty="0" smtClean="0"/>
+          </a:p>
+          <a:p>
+            <a:r>
+              <a:rPr lang="ja-JP" altLang="en-US" dirty="0" smtClean="0"/>
+              <a:t>タイマーやカウントなどの</a:t>
+            </a:r>
+            <a:r>
+              <a:rPr lang="en-US" altLang="ja-JP" dirty="0" smtClean="0"/>
+              <a:t>UI</a:t>
+            </a:r>
+            <a:r>
+              <a:rPr lang="ja-JP" altLang="en-US" dirty="0" smtClean="0"/>
+              <a:t>部分</a:t>
+            </a:r>
+            <a:endParaRPr lang="en-US" altLang="ja-JP" dirty="0" smtClean="0"/>
+          </a:p>
+          <a:p>
+            <a:r>
+              <a:rPr lang="en-US" altLang="ja-JP" dirty="0" smtClean="0"/>
+              <a:t>3</a:t>
+            </a:r>
+            <a:r>
+              <a:rPr kumimoji="1" lang="en-US" altLang="ja-JP" dirty="0" smtClean="0"/>
+              <a:t>D</a:t>
+            </a:r>
+            <a:r>
+              <a:rPr lang="ja-JP" altLang="en-US" dirty="0" smtClean="0"/>
+              <a:t>モデルとアニメーション</a:t>
+            </a:r>
+            <a:endParaRPr lang="en-US" altLang="ja-JP" dirty="0" smtClean="0"/>
+          </a:p>
+          <a:p>
+            <a:r>
+              <a:rPr lang="ja-JP" altLang="en-US" dirty="0" smtClean="0"/>
+              <a:t>当たり</a:t>
+            </a:r>
+            <a:r>
+              <a:rPr lang="ja-JP" altLang="en-US" dirty="0"/>
+              <a:t>判定</a:t>
+            </a:r>
+            <a:r>
+              <a:rPr lang="ja-JP" altLang="en-US" dirty="0" smtClean="0"/>
+              <a:t>などのレベルデザインを担当しました。</a:t>
+            </a:r>
+            <a:endParaRPr lang="en-US" altLang="ja-JP" dirty="0" smtClean="0"/>
+          </a:p>
+          <a:p>
+            <a:endParaRPr kumimoji="1" lang="en-US" altLang="ja-JP" dirty="0"/>
+          </a:p>
+          <a:p>
+            <a:r>
+              <a:rPr lang="ja-JP" altLang="en-US" dirty="0" smtClean="0"/>
+              <a:t>ステージ配置や当たり判定などのレベルデザインは</a:t>
+            </a:r>
+            <a:endParaRPr lang="en-US" altLang="ja-JP" dirty="0" smtClean="0"/>
+          </a:p>
+          <a:p>
+            <a:pPr marL="45720" indent="0">
+              <a:buNone/>
+            </a:pPr>
+            <a:r>
+              <a:rPr lang="ja-JP" altLang="en-US" dirty="0"/>
+              <a:t> </a:t>
+            </a:r>
+            <a:r>
+              <a:rPr lang="ja-JP" altLang="en-US" dirty="0" smtClean="0"/>
+              <a:t>  ゲームの面白さに直に影響する部分だったので</a:t>
+            </a:r>
+            <a:r>
+              <a:rPr lang="ja-JP" altLang="en-US" dirty="0"/>
+              <a:t>特</a:t>
+            </a:r>
+            <a:r>
+              <a:rPr lang="ja-JP" altLang="en-US" dirty="0" smtClean="0"/>
+              <a:t>に</a:t>
+            </a:r>
+            <a:r>
+              <a:rPr lang="ja-JP" altLang="en-US" dirty="0"/>
+              <a:t>気</a:t>
+            </a:r>
+            <a:r>
+              <a:rPr lang="ja-JP" altLang="en-US" dirty="0" smtClean="0"/>
+              <a:t>を付けました。</a:t>
+            </a:r>
+            <a:endParaRPr lang="en-US" altLang="ja-JP" dirty="0"/>
+          </a:p>
+          <a:p>
+            <a:pPr marL="45720" indent="0">
+              <a:buNone/>
+            </a:pPr>
+            <a:r>
+              <a:rPr lang="ja-JP" altLang="en-US" dirty="0" smtClean="0"/>
+              <a:t>　</a:t>
+            </a:r>
+            <a:endParaRPr lang="en-US" altLang="ja-JP" dirty="0" smtClean="0"/>
+          </a:p>
+        </p:txBody>
+      </p:sp>
+    </p:spTree>
+    <p:extLst>
+      <p:ext uri="{BB962C8B-B14F-4D97-AF65-F5344CB8AC3E}">
+        <p14:creationId xmlns:p14="http://schemas.microsoft.com/office/powerpoint/2010/main" val="2175847989"/>
+      </p:ext>
+    </p:extLst>
+  </p:cSld>
+  <p:clrMapOvr>
+    <a:masterClrMapping/>
+  </p:clrMapOvr>
+</p:sld>
+</file>
+
+<file path=ppt/slides/slide4.xml><?xml version="1.0" encoding="utf-8"?>
+<p:sld xmlns:a="http://schemas.openxmlformats.org/drawingml/2006/main" xmlns:r="http://schemas.openxmlformats.org/officeDocument/2006/relationships" xmlns:p="http://schemas.openxmlformats.org/presentationml/2006/main">
+  <p:cSld>
+    <p:spTree>
+      <p:nvGrpSpPr>
+        <p:cNvPr id="1" name=""/>
+        <p:cNvGrpSpPr/>
+        <p:nvPr/>
+      </p:nvGrpSpPr>
+      <p:grpSpPr>
+        <a:xfrm>
+          <a:off x="0" y="0"/>
+          <a:ext cx="0" cy="0"/>
+          <a:chOff x="0" y="0"/>
+          <a:chExt cx="0" cy="0"/>
+        </a:xfrm>
+      </p:grpSpPr>
+      <p:sp>
+        <p:nvSpPr>
+          <p:cNvPr id="2" name="タイトル 1"/>
+          <p:cNvSpPr>
+            <a:spLocks noGrp="1"/>
+          </p:cNvSpPr>
+          <p:nvPr>
+            <p:ph type="title"/>
+          </p:nvPr>
+        </p:nvSpPr>
+        <p:spPr/>
+        <p:txBody>
+          <a:bodyPr/>
+          <a:lstStyle/>
+          <a:p>
+            <a:r>
+              <a:rPr kumimoji="1" lang="ja-JP" altLang="en-US" dirty="0" smtClean="0"/>
+              <a:t>担当箇所のスライドについて</a:t>
+            </a:r>
+            <a:endParaRPr kumimoji="1" lang="ja-JP" altLang="en-US" dirty="0"/>
+          </a:p>
+        </p:txBody>
+      </p:sp>
+      <p:sp>
+        <p:nvSpPr>
+          <p:cNvPr id="3" name="コンテンツ プレースホルダー 2"/>
+          <p:cNvSpPr>
+            <a:spLocks noGrp="1"/>
+          </p:cNvSpPr>
+          <p:nvPr>
+            <p:ph idx="1"/>
+          </p:nvPr>
+        </p:nvSpPr>
+        <p:spPr/>
+        <p:txBody>
+          <a:bodyPr/>
+          <a:lstStyle/>
+          <a:p>
+            <a:r>
+              <a:rPr kumimoji="1" lang="ja-JP" altLang="en-US" dirty="0" smtClean="0"/>
+              <a:t>３枚目のスライドは各自で担当した部分があると思うので、</a:t>
+            </a:r>
+            <a:r>
+              <a:rPr lang="ja-JP" altLang="en-US" dirty="0" smtClean="0"/>
+              <a:t>それを</a:t>
+            </a:r>
+            <a:r>
+              <a:rPr lang="ja-JP" altLang="en-US" dirty="0"/>
+              <a:t>自分</a:t>
+            </a:r>
+            <a:r>
+              <a:rPr lang="ja-JP" altLang="en-US" dirty="0" smtClean="0"/>
+              <a:t>で書いてください。</a:t>
+            </a:r>
+            <a:r>
+              <a:rPr lang="en-US" altLang="ja-JP" dirty="0" smtClean="0"/>
+              <a:t>(</a:t>
+            </a:r>
+            <a:r>
+              <a:rPr lang="ja-JP" altLang="en-US" dirty="0" smtClean="0"/>
+              <a:t>書かなくてもいいですが書いた方がいいと思います。</a:t>
+            </a:r>
+            <a:endParaRPr lang="en-US" altLang="ja-JP" dirty="0" smtClean="0"/>
+          </a:p>
+          <a:p>
+            <a:pPr marL="45720" indent="0">
+              <a:buNone/>
+            </a:pPr>
+            <a:r>
+              <a:rPr lang="ja-JP" altLang="en-US" dirty="0"/>
+              <a:t>　</a:t>
+            </a:r>
+            <a:r>
+              <a:rPr lang="ja-JP" altLang="en-US" dirty="0" smtClean="0"/>
+              <a:t>小村君なら犬、羊、狼の動きとか、</a:t>
+            </a:r>
+            <a:r>
+              <a:rPr lang="ja-JP" altLang="en-US" dirty="0"/>
+              <a:t>稲本君</a:t>
+            </a:r>
+            <a:r>
+              <a:rPr lang="ja-JP" altLang="en-US" dirty="0" smtClean="0"/>
+              <a:t>ならタイトルやリザルトなど</a:t>
+            </a:r>
+            <a:endParaRPr lang="en-US" altLang="ja-JP" dirty="0" smtClean="0"/>
+          </a:p>
+          <a:p>
+            <a:pPr marL="45720" indent="0">
+              <a:buNone/>
+            </a:pPr>
+            <a:r>
+              <a:rPr lang="ja-JP" altLang="en-US" dirty="0"/>
+              <a:t>　</a:t>
+            </a:r>
+            <a:r>
+              <a:rPr lang="ja-JP" altLang="en-US" dirty="0" smtClean="0"/>
+              <a:t>演出面の事を書いたらいいと思います。任せます。</a:t>
+            </a:r>
+            <a:r>
+              <a:rPr lang="en-US" altLang="ja-JP" dirty="0" smtClean="0"/>
+              <a:t>)</a:t>
+            </a:r>
+          </a:p>
+          <a:p>
+            <a:r>
+              <a:rPr lang="ja-JP" altLang="en-US" dirty="0" smtClean="0"/>
+              <a:t>最後に、このスライドは消しておいてください。</a:t>
+            </a:r>
+            <a:endParaRPr lang="en-US" altLang="ja-JP" dirty="0" smtClean="0"/>
+          </a:p>
+        </p:txBody>
+      </p:sp>
+    </p:spTree>
+    <p:extLst>
+      <p:ext uri="{BB962C8B-B14F-4D97-AF65-F5344CB8AC3E}">
+        <p14:creationId xmlns:p14="http://schemas.microsoft.com/office/powerpoint/2010/main" val="1513214984"/>
+      </p:ext>
+    </p:extLst>
+  </p:cSld>
+  <p:clrMapOvr>
+    <a:masterClrMapping/>
+  </p:clrMapOvr>
+</p:sld>
+</file>
+
+<file path=ppt/slides/slide5.xml><?xml version="1.0" encoding="utf-8"?>
 <p:sld xmlns:a="http://schemas.openxmlformats.org/drawingml/2006/main" xmlns:r="http://schemas.openxmlformats.org/officeDocument/2006/relationships" xmlns:p="http://schemas.openxmlformats.org/presentationml/2006/main">
   <p:cSld>
     <p:spTree>
@@ -3828,7 +4389,7 @@
 </p:sld>
 </file>
 
-<file path=ppt/slides/slide3.xml><?xml version="1.0" encoding="utf-8"?>
+<file path=ppt/slides/slide6.xml><?xml version="1.0" encoding="utf-8"?>
 <p:sld xmlns:a="http://schemas.openxmlformats.org/drawingml/2006/main" xmlns:r="http://schemas.openxmlformats.org/officeDocument/2006/relationships" xmlns:p="http://schemas.openxmlformats.org/presentationml/2006/main">
   <p:cSld>
     <p:spTree>
@@ -4281,7 +4842,7 @@
 </p:sld>
 </file>
 
-<file path=ppt/slides/slide4.xml><?xml version="1.0" encoding="utf-8"?>
+<file path=ppt/slides/slide7.xml><?xml version="1.0" encoding="utf-8"?>
 <p:sld xmlns:a="http://schemas.openxmlformats.org/drawingml/2006/main" xmlns:r="http://schemas.openxmlformats.org/officeDocument/2006/relationships" xmlns:p="http://schemas.openxmlformats.org/presentationml/2006/main">
   <p:cSld>
     <p:spTree>
@@ -4361,43 +4922,6 @@
           </a:prstGeom>
         </p:spPr>
       </p:pic>
-      <p:sp>
-        <p:nvSpPr>
-          <p:cNvPr id="5" name="テキスト ボックス 4"/>
-          <p:cNvSpPr txBox="1"/>
-          <p:nvPr/>
-        </p:nvSpPr>
-        <p:spPr>
-          <a:xfrm>
-            <a:off x="1205046" y="6074229"/>
-            <a:ext cx="9692640" cy="369332"/>
-          </a:xfrm>
-          <a:prstGeom prst="rect">
-            <a:avLst/>
-          </a:prstGeom>
-          <a:noFill/>
-        </p:spPr>
-        <p:txBody>
-          <a:bodyPr wrap="square" rtlCol="0">
-            <a:spAutoFit/>
-          </a:bodyPr>
-          <a:lstStyle/>
-          <a:p>
-            <a:pPr algn="ctr"/>
-            <a:r>
-              <a:rPr kumimoji="1" lang="ja-JP" altLang="en-US" dirty="0" smtClean="0">
-                <a:latin typeface="游ゴシック" panose="020B0400000000000000" pitchFamily="50" charset="-128"/>
-                <a:ea typeface="游ゴシック" panose="020B0400000000000000" pitchFamily="50" charset="-128"/>
-              </a:rPr>
-              <a:t>画像は開発陣のハイスコア。試遊会で是非スコアを上回ってみてください！</a:t>
-            </a:r>
-            <a:endParaRPr kumimoji="1" lang="ja-JP" altLang="en-US" dirty="0">
-              <a:latin typeface="游ゴシック" panose="020B0400000000000000" pitchFamily="50" charset="-128"/>
-              <a:ea typeface="游ゴシック" panose="020B0400000000000000" pitchFamily="50" charset="-128"/>
-            </a:endParaRPr>
-          </a:p>
-        </p:txBody>
-      </p:sp>
     </p:spTree>
     <p:extLst>
       <p:ext uri="{BB962C8B-B14F-4D97-AF65-F5344CB8AC3E}">
